--- a/ppt 16-9/0372.种与收的定律.pptx
+++ b/ppt 16-9/0372.种与收的定律.pptx
@@ -5,7 +5,7 @@
     <p:sldMasterId id="2147483648" r:id="rId1"/>
   </p:sldMasterIdLst>
   <p:sldIdLst>
-    <p:sldId id="3285" r:id="rId2"/>
+    <p:sldId id="3287" r:id="rId2"/>
   </p:sldIdLst>
   <p:sldSz cx="12192000" cy="6858000"/>
   <p:notesSz cx="6858000" cy="9144000"/>
@@ -129,7 +129,7 @@
           <p:cNvPr id="2" name="标题 1">
             <a:extLst>
               <a:ext uri="{FF2B5EF4-FFF2-40B4-BE49-F238E27FC236}">
-                <a16:creationId xmlns:a16="http://schemas.microsoft.com/office/drawing/2014/main" id="{561DD4C5-A75D-42FE-3792-9E2A80416AB3}"/>
+                <a16:creationId xmlns:a16="http://schemas.microsoft.com/office/drawing/2014/main" id="{7FF4C5D9-453E-38ED-4E1D-372E462BDF4E}"/>
               </a:ext>
             </a:extLst>
           </p:cNvPr>
@@ -166,7 +166,7 @@
           <p:cNvPr id="3" name="副标题 2">
             <a:extLst>
               <a:ext uri="{FF2B5EF4-FFF2-40B4-BE49-F238E27FC236}">
-                <a16:creationId xmlns:a16="http://schemas.microsoft.com/office/drawing/2014/main" id="{E91A6D9E-9A5D-06FE-7127-9533FE274479}"/>
+                <a16:creationId xmlns:a16="http://schemas.microsoft.com/office/drawing/2014/main" id="{8A60736D-445E-FF82-CAF9-B3977C7D47B0}"/>
               </a:ext>
             </a:extLst>
           </p:cNvPr>
@@ -236,7 +236,7 @@
           <p:cNvPr id="4" name="日期占位符 3">
             <a:extLst>
               <a:ext uri="{FF2B5EF4-FFF2-40B4-BE49-F238E27FC236}">
-                <a16:creationId xmlns:a16="http://schemas.microsoft.com/office/drawing/2014/main" id="{311C9692-A26F-F5A6-A169-FE3AFA6AC4FB}"/>
+                <a16:creationId xmlns:a16="http://schemas.microsoft.com/office/drawing/2014/main" id="{ADB05CF0-1788-FB7B-3080-FCE9DBAF392F}"/>
               </a:ext>
             </a:extLst>
           </p:cNvPr>
@@ -252,7 +252,7 @@
           <a:bodyPr/>
           <a:lstStyle/>
           <a:p>
-            <a:fld id="{092EEE99-0D62-4B75-99DE-A76DB6F7D94E}" type="datetimeFigureOut">
+            <a:fld id="{14F3DC34-2917-4138-8232-5EECBE62738E}" type="datetimeFigureOut">
               <a:rPr lang="zh-CN" altLang="en-US" smtClean="0"/>
               <a:t>2024/3/10</a:t>
             </a:fld>
@@ -265,7 +265,7 @@
           <p:cNvPr id="5" name="页脚占位符 4">
             <a:extLst>
               <a:ext uri="{FF2B5EF4-FFF2-40B4-BE49-F238E27FC236}">
-                <a16:creationId xmlns:a16="http://schemas.microsoft.com/office/drawing/2014/main" id="{C7854368-8AE1-9937-A69C-E6CEC18DE661}"/>
+                <a16:creationId xmlns:a16="http://schemas.microsoft.com/office/drawing/2014/main" id="{16B03A7B-5139-2ABB-09A5-FF5FE658F05A}"/>
               </a:ext>
             </a:extLst>
           </p:cNvPr>
@@ -290,7 +290,7 @@
           <p:cNvPr id="6" name="灯片编号占位符 5">
             <a:extLst>
               <a:ext uri="{FF2B5EF4-FFF2-40B4-BE49-F238E27FC236}">
-                <a16:creationId xmlns:a16="http://schemas.microsoft.com/office/drawing/2014/main" id="{59214026-1EBB-5D18-1857-D794488B42EC}"/>
+                <a16:creationId xmlns:a16="http://schemas.microsoft.com/office/drawing/2014/main" id="{7FD54384-8FE7-1B44-DC10-09D4C9E613AF}"/>
               </a:ext>
             </a:extLst>
           </p:cNvPr>
@@ -306,7 +306,7 @@
           <a:bodyPr/>
           <a:lstStyle/>
           <a:p>
-            <a:fld id="{C700B75F-C41A-46AA-B17A-2918FF595D66}" type="slidenum">
+            <a:fld id="{FE6ADE20-4F73-4F31-AFC6-BF6A77F738E3}" type="slidenum">
               <a:rPr lang="zh-CN" altLang="en-US" smtClean="0"/>
               <a:t>‹#›</a:t>
             </a:fld>
@@ -317,7 +317,7 @@
     </p:spTree>
     <p:extLst>
       <p:ext uri="{BB962C8B-B14F-4D97-AF65-F5344CB8AC3E}">
-        <p14:creationId xmlns:p14="http://schemas.microsoft.com/office/powerpoint/2010/main" val="1329471067"/>
+        <p14:creationId xmlns:p14="http://schemas.microsoft.com/office/powerpoint/2010/main" val="3991719551"/>
       </p:ext>
     </p:extLst>
   </p:cSld>
@@ -349,7 +349,7 @@
           <p:cNvPr id="2" name="标题 1">
             <a:extLst>
               <a:ext uri="{FF2B5EF4-FFF2-40B4-BE49-F238E27FC236}">
-                <a16:creationId xmlns:a16="http://schemas.microsoft.com/office/drawing/2014/main" id="{465133D8-3E2B-3B3A-BEB2-1C81DF6682E8}"/>
+                <a16:creationId xmlns:a16="http://schemas.microsoft.com/office/drawing/2014/main" id="{99837748-6743-7870-7B3E-9561064CC463}"/>
               </a:ext>
             </a:extLst>
           </p:cNvPr>
@@ -377,7 +377,7 @@
           <p:cNvPr id="3" name="竖排文字占位符 2">
             <a:extLst>
               <a:ext uri="{FF2B5EF4-FFF2-40B4-BE49-F238E27FC236}">
-                <a16:creationId xmlns:a16="http://schemas.microsoft.com/office/drawing/2014/main" id="{77FC3671-43AF-C7C2-4364-9A797A63DC70}"/>
+                <a16:creationId xmlns:a16="http://schemas.microsoft.com/office/drawing/2014/main" id="{629967B4-E342-5CE1-B45D-9DB55BEF2F00}"/>
               </a:ext>
             </a:extLst>
           </p:cNvPr>
@@ -434,7 +434,7 @@
           <p:cNvPr id="4" name="日期占位符 3">
             <a:extLst>
               <a:ext uri="{FF2B5EF4-FFF2-40B4-BE49-F238E27FC236}">
-                <a16:creationId xmlns:a16="http://schemas.microsoft.com/office/drawing/2014/main" id="{8F65F740-AC0C-F705-B3E4-24F4AB8FAFAE}"/>
+                <a16:creationId xmlns:a16="http://schemas.microsoft.com/office/drawing/2014/main" id="{223B6CFB-62DE-663B-E16D-7E513CA7E879}"/>
               </a:ext>
             </a:extLst>
           </p:cNvPr>
@@ -450,7 +450,7 @@
           <a:bodyPr/>
           <a:lstStyle/>
           <a:p>
-            <a:fld id="{092EEE99-0D62-4B75-99DE-A76DB6F7D94E}" type="datetimeFigureOut">
+            <a:fld id="{14F3DC34-2917-4138-8232-5EECBE62738E}" type="datetimeFigureOut">
               <a:rPr lang="zh-CN" altLang="en-US" smtClean="0"/>
               <a:t>2024/3/10</a:t>
             </a:fld>
@@ -463,7 +463,7 @@
           <p:cNvPr id="5" name="页脚占位符 4">
             <a:extLst>
               <a:ext uri="{FF2B5EF4-FFF2-40B4-BE49-F238E27FC236}">
-                <a16:creationId xmlns:a16="http://schemas.microsoft.com/office/drawing/2014/main" id="{E6BBD4AD-234F-15B2-9EEC-17AB2A40A958}"/>
+                <a16:creationId xmlns:a16="http://schemas.microsoft.com/office/drawing/2014/main" id="{CCD83B44-A906-ADF3-3CD7-071626E7EC75}"/>
               </a:ext>
             </a:extLst>
           </p:cNvPr>
@@ -488,7 +488,7 @@
           <p:cNvPr id="6" name="灯片编号占位符 5">
             <a:extLst>
               <a:ext uri="{FF2B5EF4-FFF2-40B4-BE49-F238E27FC236}">
-                <a16:creationId xmlns:a16="http://schemas.microsoft.com/office/drawing/2014/main" id="{B649F985-43ED-27E8-0D16-15E8FDEF02C0}"/>
+                <a16:creationId xmlns:a16="http://schemas.microsoft.com/office/drawing/2014/main" id="{54AB7D43-DE49-496F-19B8-4818178C5D69}"/>
               </a:ext>
             </a:extLst>
           </p:cNvPr>
@@ -504,7 +504,7 @@
           <a:bodyPr/>
           <a:lstStyle/>
           <a:p>
-            <a:fld id="{C700B75F-C41A-46AA-B17A-2918FF595D66}" type="slidenum">
+            <a:fld id="{FE6ADE20-4F73-4F31-AFC6-BF6A77F738E3}" type="slidenum">
               <a:rPr lang="zh-CN" altLang="en-US" smtClean="0"/>
               <a:t>‹#›</a:t>
             </a:fld>
@@ -515,7 +515,7 @@
     </p:spTree>
     <p:extLst>
       <p:ext uri="{BB962C8B-B14F-4D97-AF65-F5344CB8AC3E}">
-        <p14:creationId xmlns:p14="http://schemas.microsoft.com/office/powerpoint/2010/main" val="778221678"/>
+        <p14:creationId xmlns:p14="http://schemas.microsoft.com/office/powerpoint/2010/main" val="4060125927"/>
       </p:ext>
     </p:extLst>
   </p:cSld>
@@ -547,7 +547,7 @@
           <p:cNvPr id="2" name="竖排标题 1">
             <a:extLst>
               <a:ext uri="{FF2B5EF4-FFF2-40B4-BE49-F238E27FC236}">
-                <a16:creationId xmlns:a16="http://schemas.microsoft.com/office/drawing/2014/main" id="{29E4D812-6289-0D70-8723-7FB41EFBF6B6}"/>
+                <a16:creationId xmlns:a16="http://schemas.microsoft.com/office/drawing/2014/main" id="{37846D40-A88C-3E27-03CA-58515FA921F8}"/>
               </a:ext>
             </a:extLst>
           </p:cNvPr>
@@ -580,7 +580,7 @@
           <p:cNvPr id="3" name="竖排文字占位符 2">
             <a:extLst>
               <a:ext uri="{FF2B5EF4-FFF2-40B4-BE49-F238E27FC236}">
-                <a16:creationId xmlns:a16="http://schemas.microsoft.com/office/drawing/2014/main" id="{8C4F09B6-A568-1702-D725-C2DD976EDD62}"/>
+                <a16:creationId xmlns:a16="http://schemas.microsoft.com/office/drawing/2014/main" id="{6C31BE30-F7EB-7238-8229-430C7B72726F}"/>
               </a:ext>
             </a:extLst>
           </p:cNvPr>
@@ -642,7 +642,7 @@
           <p:cNvPr id="4" name="日期占位符 3">
             <a:extLst>
               <a:ext uri="{FF2B5EF4-FFF2-40B4-BE49-F238E27FC236}">
-                <a16:creationId xmlns:a16="http://schemas.microsoft.com/office/drawing/2014/main" id="{34FA9B31-DA6C-8D28-2728-D4C2F4047B5F}"/>
+                <a16:creationId xmlns:a16="http://schemas.microsoft.com/office/drawing/2014/main" id="{D0BB4EEB-3BDB-332F-219E-00ACF73E2D3D}"/>
               </a:ext>
             </a:extLst>
           </p:cNvPr>
@@ -658,7 +658,7 @@
           <a:bodyPr/>
           <a:lstStyle/>
           <a:p>
-            <a:fld id="{092EEE99-0D62-4B75-99DE-A76DB6F7D94E}" type="datetimeFigureOut">
+            <a:fld id="{14F3DC34-2917-4138-8232-5EECBE62738E}" type="datetimeFigureOut">
               <a:rPr lang="zh-CN" altLang="en-US" smtClean="0"/>
               <a:t>2024/3/10</a:t>
             </a:fld>
@@ -671,7 +671,7 @@
           <p:cNvPr id="5" name="页脚占位符 4">
             <a:extLst>
               <a:ext uri="{FF2B5EF4-FFF2-40B4-BE49-F238E27FC236}">
-                <a16:creationId xmlns:a16="http://schemas.microsoft.com/office/drawing/2014/main" id="{F54F38E9-90A4-4399-A013-33B411A52653}"/>
+                <a16:creationId xmlns:a16="http://schemas.microsoft.com/office/drawing/2014/main" id="{35030649-D0CB-934F-ACC8-038BFB8138B3}"/>
               </a:ext>
             </a:extLst>
           </p:cNvPr>
@@ -696,7 +696,7 @@
           <p:cNvPr id="6" name="灯片编号占位符 5">
             <a:extLst>
               <a:ext uri="{FF2B5EF4-FFF2-40B4-BE49-F238E27FC236}">
-                <a16:creationId xmlns:a16="http://schemas.microsoft.com/office/drawing/2014/main" id="{744BF3CD-ED57-B49D-B676-39319C97867A}"/>
+                <a16:creationId xmlns:a16="http://schemas.microsoft.com/office/drawing/2014/main" id="{8BAE89CD-34F1-B93D-05C3-AD6E2BCB21B0}"/>
               </a:ext>
             </a:extLst>
           </p:cNvPr>
@@ -712,7 +712,7 @@
           <a:bodyPr/>
           <a:lstStyle/>
           <a:p>
-            <a:fld id="{C700B75F-C41A-46AA-B17A-2918FF595D66}" type="slidenum">
+            <a:fld id="{FE6ADE20-4F73-4F31-AFC6-BF6A77F738E3}" type="slidenum">
               <a:rPr lang="zh-CN" altLang="en-US" smtClean="0"/>
               <a:t>‹#›</a:t>
             </a:fld>
@@ -723,7 +723,7 @@
     </p:spTree>
     <p:extLst>
       <p:ext uri="{BB962C8B-B14F-4D97-AF65-F5344CB8AC3E}">
-        <p14:creationId xmlns:p14="http://schemas.microsoft.com/office/powerpoint/2010/main" val="325745104"/>
+        <p14:creationId xmlns:p14="http://schemas.microsoft.com/office/powerpoint/2010/main" val="2945070643"/>
       </p:ext>
     </p:extLst>
   </p:cSld>
@@ -755,7 +755,7 @@
           <p:cNvPr id="2" name="标题 1">
             <a:extLst>
               <a:ext uri="{FF2B5EF4-FFF2-40B4-BE49-F238E27FC236}">
-                <a16:creationId xmlns:a16="http://schemas.microsoft.com/office/drawing/2014/main" id="{9650599A-ACE1-FF05-2675-9F4303A58D2F}"/>
+                <a16:creationId xmlns:a16="http://schemas.microsoft.com/office/drawing/2014/main" id="{6F288966-8A11-1862-0B81-A4F6FF1F35BA}"/>
               </a:ext>
             </a:extLst>
           </p:cNvPr>
@@ -783,7 +783,7 @@
           <p:cNvPr id="3" name="内容占位符 2">
             <a:extLst>
               <a:ext uri="{FF2B5EF4-FFF2-40B4-BE49-F238E27FC236}">
-                <a16:creationId xmlns:a16="http://schemas.microsoft.com/office/drawing/2014/main" id="{4601EC90-1503-973D-F73E-ABFF89FB797F}"/>
+                <a16:creationId xmlns:a16="http://schemas.microsoft.com/office/drawing/2014/main" id="{844F5C0E-7589-420D-78A4-3641C789D6DF}"/>
               </a:ext>
             </a:extLst>
           </p:cNvPr>
@@ -840,7 +840,7 @@
           <p:cNvPr id="4" name="日期占位符 3">
             <a:extLst>
               <a:ext uri="{FF2B5EF4-FFF2-40B4-BE49-F238E27FC236}">
-                <a16:creationId xmlns:a16="http://schemas.microsoft.com/office/drawing/2014/main" id="{6E09F6EC-30F9-CD5D-9CE1-453B087A4733}"/>
+                <a16:creationId xmlns:a16="http://schemas.microsoft.com/office/drawing/2014/main" id="{6A4AED82-98CA-F8BE-1484-BDFE11F93FDA}"/>
               </a:ext>
             </a:extLst>
           </p:cNvPr>
@@ -856,7 +856,7 @@
           <a:bodyPr/>
           <a:lstStyle/>
           <a:p>
-            <a:fld id="{092EEE99-0D62-4B75-99DE-A76DB6F7D94E}" type="datetimeFigureOut">
+            <a:fld id="{14F3DC34-2917-4138-8232-5EECBE62738E}" type="datetimeFigureOut">
               <a:rPr lang="zh-CN" altLang="en-US" smtClean="0"/>
               <a:t>2024/3/10</a:t>
             </a:fld>
@@ -869,7 +869,7 @@
           <p:cNvPr id="5" name="页脚占位符 4">
             <a:extLst>
               <a:ext uri="{FF2B5EF4-FFF2-40B4-BE49-F238E27FC236}">
-                <a16:creationId xmlns:a16="http://schemas.microsoft.com/office/drawing/2014/main" id="{4301A2D6-20A7-D277-8493-235B8B995D6B}"/>
+                <a16:creationId xmlns:a16="http://schemas.microsoft.com/office/drawing/2014/main" id="{DA9D36B8-7BDC-1E76-E94E-B23D363FE364}"/>
               </a:ext>
             </a:extLst>
           </p:cNvPr>
@@ -894,7 +894,7 @@
           <p:cNvPr id="6" name="灯片编号占位符 5">
             <a:extLst>
               <a:ext uri="{FF2B5EF4-FFF2-40B4-BE49-F238E27FC236}">
-                <a16:creationId xmlns:a16="http://schemas.microsoft.com/office/drawing/2014/main" id="{44EA95BF-7F6C-3AC3-CE8B-80D4475F37D9}"/>
+                <a16:creationId xmlns:a16="http://schemas.microsoft.com/office/drawing/2014/main" id="{2258F38E-CE76-B39B-625D-A6541911E2BE}"/>
               </a:ext>
             </a:extLst>
           </p:cNvPr>
@@ -910,7 +910,7 @@
           <a:bodyPr/>
           <a:lstStyle/>
           <a:p>
-            <a:fld id="{C700B75F-C41A-46AA-B17A-2918FF595D66}" type="slidenum">
+            <a:fld id="{FE6ADE20-4F73-4F31-AFC6-BF6A77F738E3}" type="slidenum">
               <a:rPr lang="zh-CN" altLang="en-US" smtClean="0"/>
               <a:t>‹#›</a:t>
             </a:fld>
@@ -921,7 +921,7 @@
     </p:spTree>
     <p:extLst>
       <p:ext uri="{BB962C8B-B14F-4D97-AF65-F5344CB8AC3E}">
-        <p14:creationId xmlns:p14="http://schemas.microsoft.com/office/powerpoint/2010/main" val="3295915492"/>
+        <p14:creationId xmlns:p14="http://schemas.microsoft.com/office/powerpoint/2010/main" val="3631715440"/>
       </p:ext>
     </p:extLst>
   </p:cSld>
@@ -953,7 +953,7 @@
           <p:cNvPr id="2" name="标题 1">
             <a:extLst>
               <a:ext uri="{FF2B5EF4-FFF2-40B4-BE49-F238E27FC236}">
-                <a16:creationId xmlns:a16="http://schemas.microsoft.com/office/drawing/2014/main" id="{6ABE068B-51FB-691D-B799-AAB7193A330C}"/>
+                <a16:creationId xmlns:a16="http://schemas.microsoft.com/office/drawing/2014/main" id="{6DEC581A-55E7-3DFC-C503-C36C7A908CCC}"/>
               </a:ext>
             </a:extLst>
           </p:cNvPr>
@@ -990,7 +990,7 @@
           <p:cNvPr id="3" name="文本占位符 2">
             <a:extLst>
               <a:ext uri="{FF2B5EF4-FFF2-40B4-BE49-F238E27FC236}">
-                <a16:creationId xmlns:a16="http://schemas.microsoft.com/office/drawing/2014/main" id="{6165A9A4-0C77-9A79-0240-2D71A0451C2C}"/>
+                <a16:creationId xmlns:a16="http://schemas.microsoft.com/office/drawing/2014/main" id="{F268C6F0-7F52-2BB5-55D6-BC3B2F7D5D65}"/>
               </a:ext>
             </a:extLst>
           </p:cNvPr>
@@ -1115,7 +1115,7 @@
           <p:cNvPr id="4" name="日期占位符 3">
             <a:extLst>
               <a:ext uri="{FF2B5EF4-FFF2-40B4-BE49-F238E27FC236}">
-                <a16:creationId xmlns:a16="http://schemas.microsoft.com/office/drawing/2014/main" id="{F1707501-B92D-766E-59B6-14DB90946944}"/>
+                <a16:creationId xmlns:a16="http://schemas.microsoft.com/office/drawing/2014/main" id="{BEE6C809-D5A4-6B8E-969D-F57A253164B6}"/>
               </a:ext>
             </a:extLst>
           </p:cNvPr>
@@ -1131,7 +1131,7 @@
           <a:bodyPr/>
           <a:lstStyle/>
           <a:p>
-            <a:fld id="{092EEE99-0D62-4B75-99DE-A76DB6F7D94E}" type="datetimeFigureOut">
+            <a:fld id="{14F3DC34-2917-4138-8232-5EECBE62738E}" type="datetimeFigureOut">
               <a:rPr lang="zh-CN" altLang="en-US" smtClean="0"/>
               <a:t>2024/3/10</a:t>
             </a:fld>
@@ -1144,7 +1144,7 @@
           <p:cNvPr id="5" name="页脚占位符 4">
             <a:extLst>
               <a:ext uri="{FF2B5EF4-FFF2-40B4-BE49-F238E27FC236}">
-                <a16:creationId xmlns:a16="http://schemas.microsoft.com/office/drawing/2014/main" id="{BBEFCA73-B5DE-83DF-229E-122D6EF05159}"/>
+                <a16:creationId xmlns:a16="http://schemas.microsoft.com/office/drawing/2014/main" id="{5C102B09-88B4-623A-C0F5-150C212CDABE}"/>
               </a:ext>
             </a:extLst>
           </p:cNvPr>
@@ -1169,7 +1169,7 @@
           <p:cNvPr id="6" name="灯片编号占位符 5">
             <a:extLst>
               <a:ext uri="{FF2B5EF4-FFF2-40B4-BE49-F238E27FC236}">
-                <a16:creationId xmlns:a16="http://schemas.microsoft.com/office/drawing/2014/main" id="{8E384F31-08EF-0501-6019-EF82F523E74A}"/>
+                <a16:creationId xmlns:a16="http://schemas.microsoft.com/office/drawing/2014/main" id="{9F5DEF13-167C-8B7E-080C-9001D0B2357B}"/>
               </a:ext>
             </a:extLst>
           </p:cNvPr>
@@ -1185,7 +1185,7 @@
           <a:bodyPr/>
           <a:lstStyle/>
           <a:p>
-            <a:fld id="{C700B75F-C41A-46AA-B17A-2918FF595D66}" type="slidenum">
+            <a:fld id="{FE6ADE20-4F73-4F31-AFC6-BF6A77F738E3}" type="slidenum">
               <a:rPr lang="zh-CN" altLang="en-US" smtClean="0"/>
               <a:t>‹#›</a:t>
             </a:fld>
@@ -1196,7 +1196,7 @@
     </p:spTree>
     <p:extLst>
       <p:ext uri="{BB962C8B-B14F-4D97-AF65-F5344CB8AC3E}">
-        <p14:creationId xmlns:p14="http://schemas.microsoft.com/office/powerpoint/2010/main" val="1652124230"/>
+        <p14:creationId xmlns:p14="http://schemas.microsoft.com/office/powerpoint/2010/main" val="1915684091"/>
       </p:ext>
     </p:extLst>
   </p:cSld>
@@ -1228,7 +1228,7 @@
           <p:cNvPr id="2" name="标题 1">
             <a:extLst>
               <a:ext uri="{FF2B5EF4-FFF2-40B4-BE49-F238E27FC236}">
-                <a16:creationId xmlns:a16="http://schemas.microsoft.com/office/drawing/2014/main" id="{3D141CD4-FD75-D827-E122-B442A608C8E9}"/>
+                <a16:creationId xmlns:a16="http://schemas.microsoft.com/office/drawing/2014/main" id="{E9440CB9-D647-3E34-D3F8-E0CE991C9C1E}"/>
               </a:ext>
             </a:extLst>
           </p:cNvPr>
@@ -1256,7 +1256,7 @@
           <p:cNvPr id="3" name="内容占位符 2">
             <a:extLst>
               <a:ext uri="{FF2B5EF4-FFF2-40B4-BE49-F238E27FC236}">
-                <a16:creationId xmlns:a16="http://schemas.microsoft.com/office/drawing/2014/main" id="{FD877511-C175-DE66-8DBB-A02CEC0C5D37}"/>
+                <a16:creationId xmlns:a16="http://schemas.microsoft.com/office/drawing/2014/main" id="{14191E83-20F0-835B-0AB9-783BBA128A09}"/>
               </a:ext>
             </a:extLst>
           </p:cNvPr>
@@ -1318,7 +1318,7 @@
           <p:cNvPr id="4" name="内容占位符 3">
             <a:extLst>
               <a:ext uri="{FF2B5EF4-FFF2-40B4-BE49-F238E27FC236}">
-                <a16:creationId xmlns:a16="http://schemas.microsoft.com/office/drawing/2014/main" id="{CE38A99B-8BC8-F816-29F0-1EE0D2C65E47}"/>
+                <a16:creationId xmlns:a16="http://schemas.microsoft.com/office/drawing/2014/main" id="{8C63FB63-B09D-C204-4E7F-1BF8889F34C2}"/>
               </a:ext>
             </a:extLst>
           </p:cNvPr>
@@ -1380,7 +1380,7 @@
           <p:cNvPr id="5" name="日期占位符 4">
             <a:extLst>
               <a:ext uri="{FF2B5EF4-FFF2-40B4-BE49-F238E27FC236}">
-                <a16:creationId xmlns:a16="http://schemas.microsoft.com/office/drawing/2014/main" id="{FD3A20E3-62F5-23E1-1038-C4126FE756F0}"/>
+                <a16:creationId xmlns:a16="http://schemas.microsoft.com/office/drawing/2014/main" id="{6614EE9E-E377-7C71-984B-D3AF9A22A483}"/>
               </a:ext>
             </a:extLst>
           </p:cNvPr>
@@ -1396,7 +1396,7 @@
           <a:bodyPr/>
           <a:lstStyle/>
           <a:p>
-            <a:fld id="{092EEE99-0D62-4B75-99DE-A76DB6F7D94E}" type="datetimeFigureOut">
+            <a:fld id="{14F3DC34-2917-4138-8232-5EECBE62738E}" type="datetimeFigureOut">
               <a:rPr lang="zh-CN" altLang="en-US" smtClean="0"/>
               <a:t>2024/3/10</a:t>
             </a:fld>
@@ -1409,7 +1409,7 @@
           <p:cNvPr id="6" name="页脚占位符 5">
             <a:extLst>
               <a:ext uri="{FF2B5EF4-FFF2-40B4-BE49-F238E27FC236}">
-                <a16:creationId xmlns:a16="http://schemas.microsoft.com/office/drawing/2014/main" id="{16C25546-256D-17BF-E535-8E5232AD77B3}"/>
+                <a16:creationId xmlns:a16="http://schemas.microsoft.com/office/drawing/2014/main" id="{5D10DCB2-B6CA-DE25-B0A5-31D327D5526C}"/>
               </a:ext>
             </a:extLst>
           </p:cNvPr>
@@ -1434,7 +1434,7 @@
           <p:cNvPr id="7" name="灯片编号占位符 6">
             <a:extLst>
               <a:ext uri="{FF2B5EF4-FFF2-40B4-BE49-F238E27FC236}">
-                <a16:creationId xmlns:a16="http://schemas.microsoft.com/office/drawing/2014/main" id="{FD988256-C818-8541-0FDB-164323991CC7}"/>
+                <a16:creationId xmlns:a16="http://schemas.microsoft.com/office/drawing/2014/main" id="{649EF53E-687D-2D51-850C-FCB729FC3F3E}"/>
               </a:ext>
             </a:extLst>
           </p:cNvPr>
@@ -1450,7 +1450,7 @@
           <a:bodyPr/>
           <a:lstStyle/>
           <a:p>
-            <a:fld id="{C700B75F-C41A-46AA-B17A-2918FF595D66}" type="slidenum">
+            <a:fld id="{FE6ADE20-4F73-4F31-AFC6-BF6A77F738E3}" type="slidenum">
               <a:rPr lang="zh-CN" altLang="en-US" smtClean="0"/>
               <a:t>‹#›</a:t>
             </a:fld>
@@ -1461,7 +1461,7 @@
     </p:spTree>
     <p:extLst>
       <p:ext uri="{BB962C8B-B14F-4D97-AF65-F5344CB8AC3E}">
-        <p14:creationId xmlns:p14="http://schemas.microsoft.com/office/powerpoint/2010/main" val="4154051811"/>
+        <p14:creationId xmlns:p14="http://schemas.microsoft.com/office/powerpoint/2010/main" val="1148960618"/>
       </p:ext>
     </p:extLst>
   </p:cSld>
@@ -1493,7 +1493,7 @@
           <p:cNvPr id="2" name="标题 1">
             <a:extLst>
               <a:ext uri="{FF2B5EF4-FFF2-40B4-BE49-F238E27FC236}">
-                <a16:creationId xmlns:a16="http://schemas.microsoft.com/office/drawing/2014/main" id="{7AAD3F40-5789-0070-672D-E770F16B77C2}"/>
+                <a16:creationId xmlns:a16="http://schemas.microsoft.com/office/drawing/2014/main" id="{2D168825-BB4E-E9E5-7086-0DCBE48F750A}"/>
               </a:ext>
             </a:extLst>
           </p:cNvPr>
@@ -1526,7 +1526,7 @@
           <p:cNvPr id="3" name="文本占位符 2">
             <a:extLst>
               <a:ext uri="{FF2B5EF4-FFF2-40B4-BE49-F238E27FC236}">
-                <a16:creationId xmlns:a16="http://schemas.microsoft.com/office/drawing/2014/main" id="{0047A3FB-12E8-ABC0-8330-0BF5F2B61338}"/>
+                <a16:creationId xmlns:a16="http://schemas.microsoft.com/office/drawing/2014/main" id="{3408A4E5-34CE-81C7-F8BE-53C0B95FA336}"/>
               </a:ext>
             </a:extLst>
           </p:cNvPr>
@@ -1597,7 +1597,7 @@
           <p:cNvPr id="4" name="内容占位符 3">
             <a:extLst>
               <a:ext uri="{FF2B5EF4-FFF2-40B4-BE49-F238E27FC236}">
-                <a16:creationId xmlns:a16="http://schemas.microsoft.com/office/drawing/2014/main" id="{8A1C5856-061F-FF83-D372-437998E534D4}"/>
+                <a16:creationId xmlns:a16="http://schemas.microsoft.com/office/drawing/2014/main" id="{087B1F4E-6F06-9359-6CBB-63CA1DBCD44C}"/>
               </a:ext>
             </a:extLst>
           </p:cNvPr>
@@ -1659,7 +1659,7 @@
           <p:cNvPr id="5" name="文本占位符 4">
             <a:extLst>
               <a:ext uri="{FF2B5EF4-FFF2-40B4-BE49-F238E27FC236}">
-                <a16:creationId xmlns:a16="http://schemas.microsoft.com/office/drawing/2014/main" id="{FE301DD5-6F29-88AB-301F-C3342F356B05}"/>
+                <a16:creationId xmlns:a16="http://schemas.microsoft.com/office/drawing/2014/main" id="{9E274F6C-4F82-A12A-03E8-93B9C58897C3}"/>
               </a:ext>
             </a:extLst>
           </p:cNvPr>
@@ -1730,7 +1730,7 @@
           <p:cNvPr id="6" name="内容占位符 5">
             <a:extLst>
               <a:ext uri="{FF2B5EF4-FFF2-40B4-BE49-F238E27FC236}">
-                <a16:creationId xmlns:a16="http://schemas.microsoft.com/office/drawing/2014/main" id="{A6868FE9-E97E-CD98-F2B8-5E2A354EA395}"/>
+                <a16:creationId xmlns:a16="http://schemas.microsoft.com/office/drawing/2014/main" id="{AF8035DF-108F-61D7-7900-767442807E5A}"/>
               </a:ext>
             </a:extLst>
           </p:cNvPr>
@@ -1792,7 +1792,7 @@
           <p:cNvPr id="7" name="日期占位符 6">
             <a:extLst>
               <a:ext uri="{FF2B5EF4-FFF2-40B4-BE49-F238E27FC236}">
-                <a16:creationId xmlns:a16="http://schemas.microsoft.com/office/drawing/2014/main" id="{E0097BE7-AD0F-8E28-6D7E-96F5DEA2451B}"/>
+                <a16:creationId xmlns:a16="http://schemas.microsoft.com/office/drawing/2014/main" id="{581F0F5D-A8AA-1C60-5531-3F8A6C1BC6D4}"/>
               </a:ext>
             </a:extLst>
           </p:cNvPr>
@@ -1808,7 +1808,7 @@
           <a:bodyPr/>
           <a:lstStyle/>
           <a:p>
-            <a:fld id="{092EEE99-0D62-4B75-99DE-A76DB6F7D94E}" type="datetimeFigureOut">
+            <a:fld id="{14F3DC34-2917-4138-8232-5EECBE62738E}" type="datetimeFigureOut">
               <a:rPr lang="zh-CN" altLang="en-US" smtClean="0"/>
               <a:t>2024/3/10</a:t>
             </a:fld>
@@ -1821,7 +1821,7 @@
           <p:cNvPr id="8" name="页脚占位符 7">
             <a:extLst>
               <a:ext uri="{FF2B5EF4-FFF2-40B4-BE49-F238E27FC236}">
-                <a16:creationId xmlns:a16="http://schemas.microsoft.com/office/drawing/2014/main" id="{0AAE4EAB-1F72-39A3-D4BE-48D84F4E58B9}"/>
+                <a16:creationId xmlns:a16="http://schemas.microsoft.com/office/drawing/2014/main" id="{5FA233AE-A567-2059-C55B-DD185B239EF6}"/>
               </a:ext>
             </a:extLst>
           </p:cNvPr>
@@ -1846,7 +1846,7 @@
           <p:cNvPr id="9" name="灯片编号占位符 8">
             <a:extLst>
               <a:ext uri="{FF2B5EF4-FFF2-40B4-BE49-F238E27FC236}">
-                <a16:creationId xmlns:a16="http://schemas.microsoft.com/office/drawing/2014/main" id="{44142BD5-1432-0B74-59DE-E0BD3085C5D6}"/>
+                <a16:creationId xmlns:a16="http://schemas.microsoft.com/office/drawing/2014/main" id="{B13F06C3-3CAF-3121-5B3A-C4A518D804B9}"/>
               </a:ext>
             </a:extLst>
           </p:cNvPr>
@@ -1862,7 +1862,7 @@
           <a:bodyPr/>
           <a:lstStyle/>
           <a:p>
-            <a:fld id="{C700B75F-C41A-46AA-B17A-2918FF595D66}" type="slidenum">
+            <a:fld id="{FE6ADE20-4F73-4F31-AFC6-BF6A77F738E3}" type="slidenum">
               <a:rPr lang="zh-CN" altLang="en-US" smtClean="0"/>
               <a:t>‹#›</a:t>
             </a:fld>
@@ -1873,7 +1873,7 @@
     </p:spTree>
     <p:extLst>
       <p:ext uri="{BB962C8B-B14F-4D97-AF65-F5344CB8AC3E}">
-        <p14:creationId xmlns:p14="http://schemas.microsoft.com/office/powerpoint/2010/main" val="2841590715"/>
+        <p14:creationId xmlns:p14="http://schemas.microsoft.com/office/powerpoint/2010/main" val="1123609393"/>
       </p:ext>
     </p:extLst>
   </p:cSld>
@@ -1905,7 +1905,7 @@
           <p:cNvPr id="2" name="标题 1">
             <a:extLst>
               <a:ext uri="{FF2B5EF4-FFF2-40B4-BE49-F238E27FC236}">
-                <a16:creationId xmlns:a16="http://schemas.microsoft.com/office/drawing/2014/main" id="{2F201CBA-1414-EB84-9F93-BF28A914956A}"/>
+                <a16:creationId xmlns:a16="http://schemas.microsoft.com/office/drawing/2014/main" id="{54937D43-E457-B8F0-DA0E-061A019C9700}"/>
               </a:ext>
             </a:extLst>
           </p:cNvPr>
@@ -1933,7 +1933,7 @@
           <p:cNvPr id="3" name="日期占位符 2">
             <a:extLst>
               <a:ext uri="{FF2B5EF4-FFF2-40B4-BE49-F238E27FC236}">
-                <a16:creationId xmlns:a16="http://schemas.microsoft.com/office/drawing/2014/main" id="{B96D00DF-5874-450F-85C2-DD79ADCFB6CB}"/>
+                <a16:creationId xmlns:a16="http://schemas.microsoft.com/office/drawing/2014/main" id="{8E749104-B851-25E7-A6ED-D169BB6BC610}"/>
               </a:ext>
             </a:extLst>
           </p:cNvPr>
@@ -1949,7 +1949,7 @@
           <a:bodyPr/>
           <a:lstStyle/>
           <a:p>
-            <a:fld id="{092EEE99-0D62-4B75-99DE-A76DB6F7D94E}" type="datetimeFigureOut">
+            <a:fld id="{14F3DC34-2917-4138-8232-5EECBE62738E}" type="datetimeFigureOut">
               <a:rPr lang="zh-CN" altLang="en-US" smtClean="0"/>
               <a:t>2024/3/10</a:t>
             </a:fld>
@@ -1962,7 +1962,7 @@
           <p:cNvPr id="4" name="页脚占位符 3">
             <a:extLst>
               <a:ext uri="{FF2B5EF4-FFF2-40B4-BE49-F238E27FC236}">
-                <a16:creationId xmlns:a16="http://schemas.microsoft.com/office/drawing/2014/main" id="{78772380-EADF-D49E-A76C-DE7CAECCFEA1}"/>
+                <a16:creationId xmlns:a16="http://schemas.microsoft.com/office/drawing/2014/main" id="{3449AD96-FF3A-4F72-52E1-2BDB87FE8CDC}"/>
               </a:ext>
             </a:extLst>
           </p:cNvPr>
@@ -1987,7 +1987,7 @@
           <p:cNvPr id="5" name="灯片编号占位符 4">
             <a:extLst>
               <a:ext uri="{FF2B5EF4-FFF2-40B4-BE49-F238E27FC236}">
-                <a16:creationId xmlns:a16="http://schemas.microsoft.com/office/drawing/2014/main" id="{285D0E03-B710-CC06-9846-43E6C5C32DA6}"/>
+                <a16:creationId xmlns:a16="http://schemas.microsoft.com/office/drawing/2014/main" id="{154CED1F-0AB9-43D6-607C-5C093643302C}"/>
               </a:ext>
             </a:extLst>
           </p:cNvPr>
@@ -2003,7 +2003,7 @@
           <a:bodyPr/>
           <a:lstStyle/>
           <a:p>
-            <a:fld id="{C700B75F-C41A-46AA-B17A-2918FF595D66}" type="slidenum">
+            <a:fld id="{FE6ADE20-4F73-4F31-AFC6-BF6A77F738E3}" type="slidenum">
               <a:rPr lang="zh-CN" altLang="en-US" smtClean="0"/>
               <a:t>‹#›</a:t>
             </a:fld>
@@ -2014,7 +2014,7 @@
     </p:spTree>
     <p:extLst>
       <p:ext uri="{BB962C8B-B14F-4D97-AF65-F5344CB8AC3E}">
-        <p14:creationId xmlns:p14="http://schemas.microsoft.com/office/powerpoint/2010/main" val="563282157"/>
+        <p14:creationId xmlns:p14="http://schemas.microsoft.com/office/powerpoint/2010/main" val="2771098043"/>
       </p:ext>
     </p:extLst>
   </p:cSld>
@@ -2046,7 +2046,7 @@
           <p:cNvPr id="2" name="日期占位符 1">
             <a:extLst>
               <a:ext uri="{FF2B5EF4-FFF2-40B4-BE49-F238E27FC236}">
-                <a16:creationId xmlns:a16="http://schemas.microsoft.com/office/drawing/2014/main" id="{EFF7E8EB-D165-FA7D-FD84-84D901B961EF}"/>
+                <a16:creationId xmlns:a16="http://schemas.microsoft.com/office/drawing/2014/main" id="{1A56AA43-029F-C78C-861E-43679C95A136}"/>
               </a:ext>
             </a:extLst>
           </p:cNvPr>
@@ -2062,7 +2062,7 @@
           <a:bodyPr/>
           <a:lstStyle/>
           <a:p>
-            <a:fld id="{092EEE99-0D62-4B75-99DE-A76DB6F7D94E}" type="datetimeFigureOut">
+            <a:fld id="{14F3DC34-2917-4138-8232-5EECBE62738E}" type="datetimeFigureOut">
               <a:rPr lang="zh-CN" altLang="en-US" smtClean="0"/>
               <a:t>2024/3/10</a:t>
             </a:fld>
@@ -2075,7 +2075,7 @@
           <p:cNvPr id="3" name="页脚占位符 2">
             <a:extLst>
               <a:ext uri="{FF2B5EF4-FFF2-40B4-BE49-F238E27FC236}">
-                <a16:creationId xmlns:a16="http://schemas.microsoft.com/office/drawing/2014/main" id="{AFBC5BAF-A3AB-C4DA-8F3F-11CEB97060CA}"/>
+                <a16:creationId xmlns:a16="http://schemas.microsoft.com/office/drawing/2014/main" id="{F15943BE-99F2-D98E-E7BA-3A58D7D2CF12}"/>
               </a:ext>
             </a:extLst>
           </p:cNvPr>
@@ -2100,7 +2100,7 @@
           <p:cNvPr id="4" name="灯片编号占位符 3">
             <a:extLst>
               <a:ext uri="{FF2B5EF4-FFF2-40B4-BE49-F238E27FC236}">
-                <a16:creationId xmlns:a16="http://schemas.microsoft.com/office/drawing/2014/main" id="{5D0747E4-77DA-AEBF-787F-40EE995A0A98}"/>
+                <a16:creationId xmlns:a16="http://schemas.microsoft.com/office/drawing/2014/main" id="{3FCFC98E-FA33-8844-7380-8E3CA93B6BF8}"/>
               </a:ext>
             </a:extLst>
           </p:cNvPr>
@@ -2116,7 +2116,7 @@
           <a:bodyPr/>
           <a:lstStyle/>
           <a:p>
-            <a:fld id="{C700B75F-C41A-46AA-B17A-2918FF595D66}" type="slidenum">
+            <a:fld id="{FE6ADE20-4F73-4F31-AFC6-BF6A77F738E3}" type="slidenum">
               <a:rPr lang="zh-CN" altLang="en-US" smtClean="0"/>
               <a:t>‹#›</a:t>
             </a:fld>
@@ -2127,7 +2127,7 @@
     </p:spTree>
     <p:extLst>
       <p:ext uri="{BB962C8B-B14F-4D97-AF65-F5344CB8AC3E}">
-        <p14:creationId xmlns:p14="http://schemas.microsoft.com/office/powerpoint/2010/main" val="1414182645"/>
+        <p14:creationId xmlns:p14="http://schemas.microsoft.com/office/powerpoint/2010/main" val="1088235190"/>
       </p:ext>
     </p:extLst>
   </p:cSld>
@@ -2159,7 +2159,7 @@
           <p:cNvPr id="2" name="标题 1">
             <a:extLst>
               <a:ext uri="{FF2B5EF4-FFF2-40B4-BE49-F238E27FC236}">
-                <a16:creationId xmlns:a16="http://schemas.microsoft.com/office/drawing/2014/main" id="{3A067565-E444-62E1-21C0-1166F0FECE2F}"/>
+                <a16:creationId xmlns:a16="http://schemas.microsoft.com/office/drawing/2014/main" id="{ABA0FB5E-E893-C297-7A46-3F3ED679BCDA}"/>
               </a:ext>
             </a:extLst>
           </p:cNvPr>
@@ -2196,7 +2196,7 @@
           <p:cNvPr id="3" name="内容占位符 2">
             <a:extLst>
               <a:ext uri="{FF2B5EF4-FFF2-40B4-BE49-F238E27FC236}">
-                <a16:creationId xmlns:a16="http://schemas.microsoft.com/office/drawing/2014/main" id="{6A9470BC-03E1-F66B-9F26-625A8D3C489E}"/>
+                <a16:creationId xmlns:a16="http://schemas.microsoft.com/office/drawing/2014/main" id="{1CECB344-70B9-FB5E-58D7-B04B49448803}"/>
               </a:ext>
             </a:extLst>
           </p:cNvPr>
@@ -2286,7 +2286,7 @@
           <p:cNvPr id="4" name="文本占位符 3">
             <a:extLst>
               <a:ext uri="{FF2B5EF4-FFF2-40B4-BE49-F238E27FC236}">
-                <a16:creationId xmlns:a16="http://schemas.microsoft.com/office/drawing/2014/main" id="{D7410EA3-A1FF-DFFB-82B7-3A1442A24B6E}"/>
+                <a16:creationId xmlns:a16="http://schemas.microsoft.com/office/drawing/2014/main" id="{9102EA3C-AC01-05C9-582C-16812DE3662D}"/>
               </a:ext>
             </a:extLst>
           </p:cNvPr>
@@ -2357,7 +2357,7 @@
           <p:cNvPr id="5" name="日期占位符 4">
             <a:extLst>
               <a:ext uri="{FF2B5EF4-FFF2-40B4-BE49-F238E27FC236}">
-                <a16:creationId xmlns:a16="http://schemas.microsoft.com/office/drawing/2014/main" id="{4DADD0F6-CE13-9D7D-7BA4-E6E902BD757B}"/>
+                <a16:creationId xmlns:a16="http://schemas.microsoft.com/office/drawing/2014/main" id="{6F9D12EA-9396-3E9A-803F-A4E9E2143B40}"/>
               </a:ext>
             </a:extLst>
           </p:cNvPr>
@@ -2373,7 +2373,7 @@
           <a:bodyPr/>
           <a:lstStyle/>
           <a:p>
-            <a:fld id="{092EEE99-0D62-4B75-99DE-A76DB6F7D94E}" type="datetimeFigureOut">
+            <a:fld id="{14F3DC34-2917-4138-8232-5EECBE62738E}" type="datetimeFigureOut">
               <a:rPr lang="zh-CN" altLang="en-US" smtClean="0"/>
               <a:t>2024/3/10</a:t>
             </a:fld>
@@ -2386,7 +2386,7 @@
           <p:cNvPr id="6" name="页脚占位符 5">
             <a:extLst>
               <a:ext uri="{FF2B5EF4-FFF2-40B4-BE49-F238E27FC236}">
-                <a16:creationId xmlns:a16="http://schemas.microsoft.com/office/drawing/2014/main" id="{1D5CCED1-1F16-868D-70B6-7BF54AF4D47B}"/>
+                <a16:creationId xmlns:a16="http://schemas.microsoft.com/office/drawing/2014/main" id="{84D1F8C8-0D29-2F85-A50F-26948AE96377}"/>
               </a:ext>
             </a:extLst>
           </p:cNvPr>
@@ -2411,7 +2411,7 @@
           <p:cNvPr id="7" name="灯片编号占位符 6">
             <a:extLst>
               <a:ext uri="{FF2B5EF4-FFF2-40B4-BE49-F238E27FC236}">
-                <a16:creationId xmlns:a16="http://schemas.microsoft.com/office/drawing/2014/main" id="{115DD358-F878-2158-18F2-19EB29C17E98}"/>
+                <a16:creationId xmlns:a16="http://schemas.microsoft.com/office/drawing/2014/main" id="{DEE85918-9A61-682C-ED49-D27242B58AD5}"/>
               </a:ext>
             </a:extLst>
           </p:cNvPr>
@@ -2427,7 +2427,7 @@
           <a:bodyPr/>
           <a:lstStyle/>
           <a:p>
-            <a:fld id="{C700B75F-C41A-46AA-B17A-2918FF595D66}" type="slidenum">
+            <a:fld id="{FE6ADE20-4F73-4F31-AFC6-BF6A77F738E3}" type="slidenum">
               <a:rPr lang="zh-CN" altLang="en-US" smtClean="0"/>
               <a:t>‹#›</a:t>
             </a:fld>
@@ -2438,7 +2438,7 @@
     </p:spTree>
     <p:extLst>
       <p:ext uri="{BB962C8B-B14F-4D97-AF65-F5344CB8AC3E}">
-        <p14:creationId xmlns:p14="http://schemas.microsoft.com/office/powerpoint/2010/main" val="3461114880"/>
+        <p14:creationId xmlns:p14="http://schemas.microsoft.com/office/powerpoint/2010/main" val="3299056635"/>
       </p:ext>
     </p:extLst>
   </p:cSld>
@@ -2470,7 +2470,7 @@
           <p:cNvPr id="2" name="标题 1">
             <a:extLst>
               <a:ext uri="{FF2B5EF4-FFF2-40B4-BE49-F238E27FC236}">
-                <a16:creationId xmlns:a16="http://schemas.microsoft.com/office/drawing/2014/main" id="{E06D30A2-AA70-D27B-3C01-B245E28F4A2A}"/>
+                <a16:creationId xmlns:a16="http://schemas.microsoft.com/office/drawing/2014/main" id="{DC7AC9F3-E111-B63D-F5BE-6027E608DC81}"/>
               </a:ext>
             </a:extLst>
           </p:cNvPr>
@@ -2507,7 +2507,7 @@
           <p:cNvPr id="3" name="图片占位符 2">
             <a:extLst>
               <a:ext uri="{FF2B5EF4-FFF2-40B4-BE49-F238E27FC236}">
-                <a16:creationId xmlns:a16="http://schemas.microsoft.com/office/drawing/2014/main" id="{13776B94-6B6D-00D2-7C3F-E96AA78A2521}"/>
+                <a16:creationId xmlns:a16="http://schemas.microsoft.com/office/drawing/2014/main" id="{8B18A82A-50EF-EE43-87E4-3C5D1A3D1DD1}"/>
               </a:ext>
             </a:extLst>
           </p:cNvPr>
@@ -2574,7 +2574,7 @@
           <p:cNvPr id="4" name="文本占位符 3">
             <a:extLst>
               <a:ext uri="{FF2B5EF4-FFF2-40B4-BE49-F238E27FC236}">
-                <a16:creationId xmlns:a16="http://schemas.microsoft.com/office/drawing/2014/main" id="{6D5703C1-D8F5-890B-42D7-7C2653F89F46}"/>
+                <a16:creationId xmlns:a16="http://schemas.microsoft.com/office/drawing/2014/main" id="{2451AB6F-1435-DD4E-5950-2BECE2629E11}"/>
               </a:ext>
             </a:extLst>
           </p:cNvPr>
@@ -2645,7 +2645,7 @@
           <p:cNvPr id="5" name="日期占位符 4">
             <a:extLst>
               <a:ext uri="{FF2B5EF4-FFF2-40B4-BE49-F238E27FC236}">
-                <a16:creationId xmlns:a16="http://schemas.microsoft.com/office/drawing/2014/main" id="{29ECB9C2-FF9D-2E73-7D09-0143DADEB042}"/>
+                <a16:creationId xmlns:a16="http://schemas.microsoft.com/office/drawing/2014/main" id="{5EC80479-E7D2-8F38-EDD7-8DFD58992559}"/>
               </a:ext>
             </a:extLst>
           </p:cNvPr>
@@ -2661,7 +2661,7 @@
           <a:bodyPr/>
           <a:lstStyle/>
           <a:p>
-            <a:fld id="{092EEE99-0D62-4B75-99DE-A76DB6F7D94E}" type="datetimeFigureOut">
+            <a:fld id="{14F3DC34-2917-4138-8232-5EECBE62738E}" type="datetimeFigureOut">
               <a:rPr lang="zh-CN" altLang="en-US" smtClean="0"/>
               <a:t>2024/3/10</a:t>
             </a:fld>
@@ -2674,7 +2674,7 @@
           <p:cNvPr id="6" name="页脚占位符 5">
             <a:extLst>
               <a:ext uri="{FF2B5EF4-FFF2-40B4-BE49-F238E27FC236}">
-                <a16:creationId xmlns:a16="http://schemas.microsoft.com/office/drawing/2014/main" id="{E312C8B6-5FA2-179B-B09D-F2EFB827A935}"/>
+                <a16:creationId xmlns:a16="http://schemas.microsoft.com/office/drawing/2014/main" id="{41DC24E6-394D-043B-D26D-174E3D884CBE}"/>
               </a:ext>
             </a:extLst>
           </p:cNvPr>
@@ -2699,7 +2699,7 @@
           <p:cNvPr id="7" name="灯片编号占位符 6">
             <a:extLst>
               <a:ext uri="{FF2B5EF4-FFF2-40B4-BE49-F238E27FC236}">
-                <a16:creationId xmlns:a16="http://schemas.microsoft.com/office/drawing/2014/main" id="{D1B620CF-D681-6CAB-A8F5-F71E7C236C15}"/>
+                <a16:creationId xmlns:a16="http://schemas.microsoft.com/office/drawing/2014/main" id="{D234C1FA-D73C-89C9-478F-09EE42600B71}"/>
               </a:ext>
             </a:extLst>
           </p:cNvPr>
@@ -2715,7 +2715,7 @@
           <a:bodyPr/>
           <a:lstStyle/>
           <a:p>
-            <a:fld id="{C700B75F-C41A-46AA-B17A-2918FF595D66}" type="slidenum">
+            <a:fld id="{FE6ADE20-4F73-4F31-AFC6-BF6A77F738E3}" type="slidenum">
               <a:rPr lang="zh-CN" altLang="en-US" smtClean="0"/>
               <a:t>‹#›</a:t>
             </a:fld>
@@ -2726,7 +2726,7 @@
     </p:spTree>
     <p:extLst>
       <p:ext uri="{BB962C8B-B14F-4D97-AF65-F5344CB8AC3E}">
-        <p14:creationId xmlns:p14="http://schemas.microsoft.com/office/powerpoint/2010/main" val="3958955283"/>
+        <p14:creationId xmlns:p14="http://schemas.microsoft.com/office/powerpoint/2010/main" val="4141668589"/>
       </p:ext>
     </p:extLst>
   </p:cSld>
@@ -2763,7 +2763,7 @@
           <p:cNvPr id="2" name="标题占位符 1">
             <a:extLst>
               <a:ext uri="{FF2B5EF4-FFF2-40B4-BE49-F238E27FC236}">
-                <a16:creationId xmlns:a16="http://schemas.microsoft.com/office/drawing/2014/main" id="{3B5B230B-2DBE-433A-A4D2-0CCC77F26DD4}"/>
+                <a16:creationId xmlns:a16="http://schemas.microsoft.com/office/drawing/2014/main" id="{C056F1F3-9A95-2CFE-7B6F-01FE4FC65C05}"/>
               </a:ext>
             </a:extLst>
           </p:cNvPr>
@@ -2801,7 +2801,7 @@
           <p:cNvPr id="3" name="文本占位符 2">
             <a:extLst>
               <a:ext uri="{FF2B5EF4-FFF2-40B4-BE49-F238E27FC236}">
-                <a16:creationId xmlns:a16="http://schemas.microsoft.com/office/drawing/2014/main" id="{EE06C3F7-CB2E-142C-C16A-153BFCF453DA}"/>
+                <a16:creationId xmlns:a16="http://schemas.microsoft.com/office/drawing/2014/main" id="{A43BE09B-1FB6-BE11-6B40-FDB56A01940F}"/>
               </a:ext>
             </a:extLst>
           </p:cNvPr>
@@ -2868,7 +2868,7 @@
           <p:cNvPr id="4" name="日期占位符 3">
             <a:extLst>
               <a:ext uri="{FF2B5EF4-FFF2-40B4-BE49-F238E27FC236}">
-                <a16:creationId xmlns:a16="http://schemas.microsoft.com/office/drawing/2014/main" id="{159ABCFE-638A-60E5-7214-0F3A1AEE0FAA}"/>
+                <a16:creationId xmlns:a16="http://schemas.microsoft.com/office/drawing/2014/main" id="{5E137BE9-3025-B393-5A69-0D6D45B1D4FB}"/>
               </a:ext>
             </a:extLst>
           </p:cNvPr>
@@ -2902,7 +2902,7 @@
             </a:lvl1pPr>
           </a:lstStyle>
           <a:p>
-            <a:fld id="{092EEE99-0D62-4B75-99DE-A76DB6F7D94E}" type="datetimeFigureOut">
+            <a:fld id="{14F3DC34-2917-4138-8232-5EECBE62738E}" type="datetimeFigureOut">
               <a:rPr lang="zh-CN" altLang="en-US" smtClean="0"/>
               <a:t>2024/3/10</a:t>
             </a:fld>
@@ -2915,7 +2915,7 @@
           <p:cNvPr id="5" name="页脚占位符 4">
             <a:extLst>
               <a:ext uri="{FF2B5EF4-FFF2-40B4-BE49-F238E27FC236}">
-                <a16:creationId xmlns:a16="http://schemas.microsoft.com/office/drawing/2014/main" id="{D197DAE4-1475-F748-C29B-C2448513E114}"/>
+                <a16:creationId xmlns:a16="http://schemas.microsoft.com/office/drawing/2014/main" id="{67FA740C-B230-B153-0002-F11DEADDF34D}"/>
               </a:ext>
             </a:extLst>
           </p:cNvPr>
@@ -2958,7 +2958,7 @@
           <p:cNvPr id="6" name="灯片编号占位符 5">
             <a:extLst>
               <a:ext uri="{FF2B5EF4-FFF2-40B4-BE49-F238E27FC236}">
-                <a16:creationId xmlns:a16="http://schemas.microsoft.com/office/drawing/2014/main" id="{ABFD7350-2EA5-170C-4870-DC54620A4BAD}"/>
+                <a16:creationId xmlns:a16="http://schemas.microsoft.com/office/drawing/2014/main" id="{4636E8BC-94A0-4068-B81C-537C8F35CDE6}"/>
               </a:ext>
             </a:extLst>
           </p:cNvPr>
@@ -2992,7 +2992,7 @@
             </a:lvl1pPr>
           </a:lstStyle>
           <a:p>
-            <a:fld id="{C700B75F-C41A-46AA-B17A-2918FF595D66}" type="slidenum">
+            <a:fld id="{FE6ADE20-4F73-4F31-AFC6-BF6A77F738E3}" type="slidenum">
               <a:rPr lang="zh-CN" altLang="en-US" smtClean="0"/>
               <a:t>‹#›</a:t>
             </a:fld>
@@ -3003,7 +3003,7 @@
     </p:spTree>
     <p:extLst>
       <p:ext uri="{BB962C8B-B14F-4D97-AF65-F5344CB8AC3E}">
-        <p14:creationId xmlns:p14="http://schemas.microsoft.com/office/powerpoint/2010/main" val="2859806463"/>
+        <p14:creationId xmlns:p14="http://schemas.microsoft.com/office/powerpoint/2010/main" val="2413876710"/>
       </p:ext>
     </p:extLst>
   </p:cSld>
@@ -3323,7 +3323,7 @@
       </p:grpSpPr>
       <p:pic>
         <p:nvPicPr>
-          <p:cNvPr id="380930" name="Picture 2" descr="371"/>
+          <p:cNvPr id="381954" name="Picture 2" descr="372"/>
           <p:cNvPicPr>
             <a:picLocks noChangeAspect="1" noChangeArrowheads="1"/>
           </p:cNvPicPr>
@@ -3375,11 +3375,158 @@
           </a:extLst>
         </p:spPr>
       </p:pic>
+      <p:pic>
+        <p:nvPicPr>
+          <p:cNvPr id="382979" name="Picture 3" descr="372-2"/>
+          <p:cNvPicPr>
+            <a:picLocks noChangeAspect="1" noChangeArrowheads="1"/>
+          </p:cNvPicPr>
+          <p:nvPr/>
+        </p:nvPicPr>
+        <p:blipFill>
+          <a:blip r:embed="rId3">
+            <a:extLst>
+              <a:ext uri="{28A0092B-C50C-407E-A947-70E740481C1C}">
+                <a14:useLocalDpi xmlns:a14="http://schemas.microsoft.com/office/drawing/2010/main" val="0"/>
+              </a:ext>
+            </a:extLst>
+          </a:blip>
+          <a:srcRect/>
+          <a:stretch>
+            <a:fillRect/>
+          </a:stretch>
+        </p:blipFill>
+        <p:spPr bwMode="auto">
+          <a:xfrm>
+            <a:off x="1524000" y="0"/>
+            <a:ext cx="9144000" cy="6858000"/>
+          </a:xfrm>
+          <a:prstGeom prst="rect">
+            <a:avLst/>
+          </a:prstGeom>
+          <a:noFill/>
+          <a:ln>
+            <a:noFill/>
+          </a:ln>
+          <a:effectLst/>
+          <a:extLst>
+            <a:ext uri="{909E8E84-426E-40DD-AFC4-6F175D3DCCD1}">
+              <a14:hiddenFill xmlns:a14="http://schemas.microsoft.com/office/drawing/2010/main">
+                <a:solidFill>
+                  <a:srgbClr val="FFFFFF"/>
+                </a:solidFill>
+              </a14:hiddenFill>
+            </a:ext>
+            <a:ext uri="{91240B29-F687-4F45-9708-019B960494DF}">
+              <a14:hiddenLine xmlns:a14="http://schemas.microsoft.com/office/drawing/2010/main" w="9525">
+                <a:solidFill>
+                  <a:srgbClr val="000000"/>
+                </a:solidFill>
+                <a:miter lim="800000"/>
+                <a:headEnd/>
+                <a:tailEnd/>
+              </a14:hiddenLine>
+            </a:ext>
+            <a:ext uri="{AF507438-7753-43E0-B8FC-AC1667EBCBE1}">
+              <a14:hiddenEffects xmlns:a14="http://schemas.microsoft.com/office/drawing/2010/main">
+                <a:effectLst>
+                  <a:outerShdw dist="35921" dir="2700000" algn="ctr" rotWithShape="0">
+                    <a:srgbClr val="808080"/>
+                  </a:outerShdw>
+                </a:effectLst>
+              </a14:hiddenEffects>
+            </a:ext>
+          </a:extLst>
+        </p:spPr>
+      </p:pic>
     </p:spTree>
   </p:cSld>
   <p:clrMapOvr>
     <a:masterClrMapping/>
   </p:clrMapOvr>
+  <p:timing>
+    <p:tnLst>
+      <p:par>
+        <p:cTn id="1" dur="indefinite" restart="never" nodeType="tmRoot">
+          <p:childTnLst>
+            <p:seq concurrent="1" nextAc="seek">
+              <p:cTn id="2" dur="indefinite" nodeType="mainSeq">
+                <p:childTnLst>
+                  <p:par>
+                    <p:cTn id="3" fill="hold" nodeType="clickPar">
+                      <p:stCondLst>
+                        <p:cond delay="indefinite"/>
+                      </p:stCondLst>
+                      <p:childTnLst>
+                        <p:par>
+                          <p:cTn id="4" fill="hold" nodeType="withGroup">
+                            <p:stCondLst>
+                              <p:cond delay="0"/>
+                            </p:stCondLst>
+                            <p:childTnLst>
+                              <p:par>
+                                <p:cTn id="5" presetID="10" presetClass="entr" presetSubtype="0" fill="hold" nodeType="clickEffect">
+                                  <p:stCondLst>
+                                    <p:cond delay="0"/>
+                                  </p:stCondLst>
+                                  <p:childTnLst>
+                                    <p:set>
+                                      <p:cBhvr>
+                                        <p:cTn id="6" dur="1" fill="hold">
+                                          <p:stCondLst>
+                                            <p:cond delay="0"/>
+                                          </p:stCondLst>
+                                        </p:cTn>
+                                        <p:tgtEl>
+                                          <p:spTgt spid="382979"/>
+                                        </p:tgtEl>
+                                        <p:attrNameLst>
+                                          <p:attrName>style.visibility</p:attrName>
+                                        </p:attrNameLst>
+                                      </p:cBhvr>
+                                      <p:to>
+                                        <p:strVal val="visible"/>
+                                      </p:to>
+                                    </p:set>
+                                    <p:animEffect transition="in" filter="fade">
+                                      <p:cBhvr>
+                                        <p:cTn id="7" dur="500"/>
+                                        <p:tgtEl>
+                                          <p:spTgt spid="382979"/>
+                                        </p:tgtEl>
+                                      </p:cBhvr>
+                                    </p:animEffect>
+                                  </p:childTnLst>
+                                </p:cTn>
+                              </p:par>
+                            </p:childTnLst>
+                          </p:cTn>
+                        </p:par>
+                      </p:childTnLst>
+                    </p:cTn>
+                  </p:par>
+                </p:childTnLst>
+              </p:cTn>
+              <p:prevCondLst>
+                <p:cond evt="onPrev" delay="0">
+                  <p:tgtEl>
+                    <p:sldTgt/>
+                  </p:tgtEl>
+                </p:cond>
+              </p:prevCondLst>
+              <p:nextCondLst>
+                <p:cond evt="onNext" delay="0">
+                  <p:tgtEl>
+                    <p:sldTgt/>
+                  </p:tgtEl>
+                </p:cond>
+              </p:nextCondLst>
+            </p:seq>
+          </p:childTnLst>
+        </p:cTn>
+      </p:par>
+    </p:tnLst>
+  </p:timing>
 </p:sld>
 </file>
 
